--- a/Slide IT3660.pptx
+++ b/Slide IT3660.pptx
@@ -120,6 +120,11 @@
       </a:defRPr>
     </a:lvl9pPr>
   </p:defaultTextStyle>
+  <p:extLst>
+    <p:ext uri="{EFAFB233-063F-42B5-8137-9DF3F51BA10A}">
+      <p15:sldGuideLst xmlns:p15="http://schemas.microsoft.com/office/powerpoint/2012/main"/>
+    </p:ext>
+  </p:extLst>
 </p:presentation>
 </file>
 
@@ -846,7 +851,7 @@
             <a:fld id="{B61BEF0D-F0BB-DE4B-95CE-6DB70DBA9567}" type="datetimeFigureOut">
               <a:rPr lang="en-US" dirty="0"/>
               <a:pPr/>
-              <a:t>12/5/2015</a:t>
+              <a:t>12/7/2015</a:t>
             </a:fld>
             <a:endParaRPr lang="en-US" dirty="0"/>
           </a:p>
@@ -1094,7 +1099,7 @@
             <a:fld id="{B61BEF0D-F0BB-DE4B-95CE-6DB70DBA9567}" type="datetimeFigureOut">
               <a:rPr lang="en-US" dirty="0"/>
               <a:pPr/>
-              <a:t>12/5/2015</a:t>
+              <a:t>12/7/2015</a:t>
             </a:fld>
             <a:endParaRPr lang="en-US" dirty="0"/>
           </a:p>
@@ -1405,7 +1410,7 @@
             <a:fld id="{B61BEF0D-F0BB-DE4B-95CE-6DB70DBA9567}" type="datetimeFigureOut">
               <a:rPr lang="en-US" dirty="0"/>
               <a:pPr/>
-              <a:t>12/5/2015</a:t>
+              <a:t>12/7/2015</a:t>
             </a:fld>
             <a:endParaRPr lang="en-US" dirty="0"/>
           </a:p>
@@ -1743,7 +1748,7 @@
             <a:fld id="{B61BEF0D-F0BB-DE4B-95CE-6DB70DBA9567}" type="datetimeFigureOut">
               <a:rPr lang="en-US" dirty="0"/>
               <a:pPr/>
-              <a:t>12/5/2015</a:t>
+              <a:t>12/7/2015</a:t>
             </a:fld>
             <a:endParaRPr lang="en-US" dirty="0"/>
           </a:p>
@@ -2054,7 +2059,7 @@
             <a:fld id="{B61BEF0D-F0BB-DE4B-95CE-6DB70DBA9567}" type="datetimeFigureOut">
               <a:rPr lang="en-US" dirty="0"/>
               <a:pPr/>
-              <a:t>12/5/2015</a:t>
+              <a:t>12/7/2015</a:t>
             </a:fld>
             <a:endParaRPr lang="en-US" dirty="0"/>
           </a:p>
@@ -2444,7 +2449,7 @@
             <a:fld id="{B61BEF0D-F0BB-DE4B-95CE-6DB70DBA9567}" type="datetimeFigureOut">
               <a:rPr lang="en-US" dirty="0"/>
               <a:pPr/>
-              <a:t>12/5/2015</a:t>
+              <a:t>12/7/2015</a:t>
             </a:fld>
             <a:endParaRPr lang="en-US" dirty="0"/>
           </a:p>
@@ -2610,7 +2615,7 @@
           <a:p>
             <a:fld id="{55C6B4A9-1611-4792-9094-5F34BCA07E0B}" type="datetimeFigureOut">
               <a:rPr lang="en-US" dirty="0"/>
-              <a:t>12/5/2015</a:t>
+              <a:t>12/7/2015</a:t>
             </a:fld>
             <a:endParaRPr lang="en-US" dirty="0"/>
           </a:p>
@@ -2786,7 +2791,7 @@
             <a:fld id="{B61BEF0D-F0BB-DE4B-95CE-6DB70DBA9567}" type="datetimeFigureOut">
               <a:rPr lang="en-US" dirty="0"/>
               <a:pPr/>
-              <a:t>12/5/2015</a:t>
+              <a:t>12/7/2015</a:t>
             </a:fld>
             <a:endParaRPr lang="en-US" dirty="0"/>
           </a:p>
@@ -2959,7 +2964,7 @@
             <a:fld id="{B61BEF0D-F0BB-DE4B-95CE-6DB70DBA9567}" type="datetimeFigureOut">
               <a:rPr lang="en-US" dirty="0"/>
               <a:pPr/>
-              <a:t>12/5/2015</a:t>
+              <a:t>12/7/2015</a:t>
             </a:fld>
             <a:endParaRPr lang="en-US" dirty="0"/>
           </a:p>
@@ -3203,7 +3208,7 @@
             <a:fld id="{B61BEF0D-F0BB-DE4B-95CE-6DB70DBA9567}" type="datetimeFigureOut">
               <a:rPr lang="en-US" dirty="0"/>
               <a:pPr/>
-              <a:t>12/5/2015</a:t>
+              <a:t>12/7/2015</a:t>
             </a:fld>
             <a:endParaRPr lang="en-US" dirty="0"/>
           </a:p>
@@ -3431,7 +3436,7 @@
           <a:p>
             <a:fld id="{EB712588-04B1-427B-82EE-E8DB90309F08}" type="datetimeFigureOut">
               <a:rPr lang="en-US" dirty="0"/>
-              <a:t>12/5/2015</a:t>
+              <a:t>12/7/2015</a:t>
             </a:fld>
             <a:endParaRPr lang="en-US" dirty="0"/>
           </a:p>
@@ -3801,7 +3806,7 @@
             <a:fld id="{B61BEF0D-F0BB-DE4B-95CE-6DB70DBA9567}" type="datetimeFigureOut">
               <a:rPr lang="en-US" dirty="0"/>
               <a:pPr/>
-              <a:t>12/5/2015</a:t>
+              <a:t>12/7/2015</a:t>
             </a:fld>
             <a:endParaRPr lang="en-US" dirty="0"/>
           </a:p>
@@ -3921,7 +3926,7 @@
             <a:fld id="{B61BEF0D-F0BB-DE4B-95CE-6DB70DBA9567}" type="datetimeFigureOut">
               <a:rPr lang="en-US" dirty="0"/>
               <a:pPr/>
-              <a:t>12/5/2015</a:t>
+              <a:t>12/7/2015</a:t>
             </a:fld>
             <a:endParaRPr lang="en-US" dirty="0"/>
           </a:p>
@@ -4013,7 +4018,7 @@
             <a:fld id="{B61BEF0D-F0BB-DE4B-95CE-6DB70DBA9567}" type="datetimeFigureOut">
               <a:rPr lang="en-US" dirty="0"/>
               <a:pPr/>
-              <a:t>12/5/2015</a:t>
+              <a:t>12/7/2015</a:t>
             </a:fld>
             <a:endParaRPr lang="en-US" dirty="0"/>
           </a:p>
@@ -4264,7 +4269,7 @@
           <a:p>
             <a:fld id="{42A54C80-263E-416B-A8E0-580EDEADCBDC}" type="datetimeFigureOut">
               <a:rPr lang="en-US" dirty="0"/>
-              <a:t>12/5/2015</a:t>
+              <a:t>12/7/2015</a:t>
             </a:fld>
             <a:endParaRPr lang="en-US" dirty="0"/>
           </a:p>
@@ -4523,7 +4528,7 @@
             <a:fld id="{B61BEF0D-F0BB-DE4B-95CE-6DB70DBA9567}" type="datetimeFigureOut">
               <a:rPr lang="en-US" dirty="0"/>
               <a:pPr/>
-              <a:t>12/5/2015</a:t>
+              <a:t>12/7/2015</a:t>
             </a:fld>
             <a:endParaRPr lang="en-US" dirty="0"/>
           </a:p>
@@ -5263,7 +5268,7 @@
             <a:fld id="{B61BEF0D-F0BB-DE4B-95CE-6DB70DBA9567}" type="datetimeFigureOut">
               <a:rPr lang="en-US" dirty="0"/>
               <a:pPr/>
-              <a:t>12/5/2015</a:t>
+              <a:t>12/7/2015</a:t>
             </a:fld>
             <a:endParaRPr lang="en-US" dirty="0"/>
           </a:p>
@@ -5883,17 +5888,7 @@
                 <a:latin typeface="Times New Roman" panose="02020603050405020304" pitchFamily="18" charset="0"/>
                 <a:cs typeface="Times New Roman" panose="02020603050405020304" pitchFamily="18" charset="0"/>
               </a:rPr>
-              <a:t>mừng </a:t>
-            </a:r>
-            <a:r>
-              <a:rPr lang="en-US">
-                <a:solidFill>
-                  <a:schemeClr val="accent2"/>
-                </a:solidFill>
-                <a:latin typeface="Times New Roman" panose="02020603050405020304" pitchFamily="18" charset="0"/>
-                <a:cs typeface="Times New Roman" panose="02020603050405020304" pitchFamily="18" charset="0"/>
-              </a:rPr>
-              <a:t>thầy </a:t>
+              <a:t>mừng thầy </a:t>
             </a:r>
             <a:r>
               <a:rPr lang="en-US" smtClean="0">
@@ -5933,13 +5928,13 @@
   <p:clrMapOvr>
     <a:masterClrMapping/>
   </p:clrMapOvr>
-  <mc:AlternateContent xmlns:mc="http://schemas.openxmlformats.org/markup-compatibility/2006">
-    <mc:Choice xmlns:p15="http://schemas.microsoft.com/office/powerpoint/2012/main" Requires="p15">
+  <mc:AlternateContent xmlns:mc="http://schemas.openxmlformats.org/markup-compatibility/2006" xmlns:p15="http://schemas.microsoft.com/office/powerpoint/2012/main">
+    <mc:Choice Requires="p15">
       <p:transition xmlns:p14="http://schemas.microsoft.com/office/powerpoint/2010/main" spd="slow" p14:dur="2000">
         <p15:prstTrans prst="prestige"/>
       </p:transition>
     </mc:Choice>
-    <mc:Fallback>
+    <mc:Fallback xmlns="">
       <p:transition spd="slow">
         <p:fade/>
       </p:transition>
@@ -6278,13 +6273,13 @@
   <p:clrMapOvr>
     <a:masterClrMapping/>
   </p:clrMapOvr>
-  <mc:AlternateContent xmlns:mc="http://schemas.openxmlformats.org/markup-compatibility/2006">
-    <mc:Choice xmlns:p15="http://schemas.microsoft.com/office/powerpoint/2012/main" Requires="p15">
+  <mc:AlternateContent xmlns:mc="http://schemas.openxmlformats.org/markup-compatibility/2006" xmlns:p15="http://schemas.microsoft.com/office/powerpoint/2012/main">
+    <mc:Choice Requires="p15">
       <p:transition xmlns:p14="http://schemas.microsoft.com/office/powerpoint/2010/main" spd="slow" p14:dur="2000">
         <p15:prstTrans prst="prestige"/>
       </p:transition>
     </mc:Choice>
-    <mc:Fallback>
+    <mc:Fallback xmlns="">
       <p:transition spd="slow">
         <p:fade/>
       </p:transition>
@@ -7027,11 +7022,11 @@
   <p:clrMapOvr>
     <a:masterClrMapping/>
   </p:clrMapOvr>
-  <mc:AlternateContent xmlns:mc="http://schemas.openxmlformats.org/markup-compatibility/2006">
-    <mc:Choice xmlns:p14="http://schemas.microsoft.com/office/powerpoint/2010/main" Requires="p14">
+  <mc:AlternateContent xmlns:mc="http://schemas.openxmlformats.org/markup-compatibility/2006" xmlns:p14="http://schemas.microsoft.com/office/powerpoint/2010/main">
+    <mc:Choice Requires="p14">
       <p:transition p14:dur="0"/>
     </mc:Choice>
-    <mc:Fallback>
+    <mc:Fallback xmlns="">
       <p:transition/>
     </mc:Fallback>
   </mc:AlternateContent>
@@ -7748,11 +7743,11 @@
   <p:clrMapOvr>
     <a:masterClrMapping/>
   </p:clrMapOvr>
-  <mc:AlternateContent xmlns:mc="http://schemas.openxmlformats.org/markup-compatibility/2006">
-    <mc:Choice xmlns:p14="http://schemas.microsoft.com/office/powerpoint/2010/main" Requires="p14">
+  <mc:AlternateContent xmlns:mc="http://schemas.openxmlformats.org/markup-compatibility/2006" xmlns:p14="http://schemas.microsoft.com/office/powerpoint/2010/main">
+    <mc:Choice Requires="p14">
       <p:transition p14:dur="0"/>
     </mc:Choice>
-    <mc:Fallback>
+    <mc:Fallback xmlns="">
       <p:transition/>
     </mc:Fallback>
   </mc:AlternateContent>
@@ -8280,11 +8275,11 @@
   <p:clrMapOvr>
     <a:masterClrMapping/>
   </p:clrMapOvr>
-  <mc:AlternateContent xmlns:mc="http://schemas.openxmlformats.org/markup-compatibility/2006">
-    <mc:Choice xmlns:p14="http://schemas.microsoft.com/office/powerpoint/2010/main" Requires="p14">
+  <mc:AlternateContent xmlns:mc="http://schemas.openxmlformats.org/markup-compatibility/2006" xmlns:p14="http://schemas.microsoft.com/office/powerpoint/2010/main">
+    <mc:Choice Requires="p14">
       <p:transition p14:dur="0"/>
     </mc:Choice>
-    <mc:Fallback>
+    <mc:Fallback xmlns="">
       <p:transition/>
     </mc:Fallback>
   </mc:AlternateContent>
@@ -8540,11 +8535,11 @@
   <p:clrMapOvr>
     <a:masterClrMapping/>
   </p:clrMapOvr>
-  <mc:AlternateContent xmlns:mc="http://schemas.openxmlformats.org/markup-compatibility/2006">
-    <mc:Choice xmlns:p14="http://schemas.microsoft.com/office/powerpoint/2010/main" Requires="p14">
+  <mc:AlternateContent xmlns:mc="http://schemas.openxmlformats.org/markup-compatibility/2006" xmlns:p14="http://schemas.microsoft.com/office/powerpoint/2010/main">
+    <mc:Choice Requires="p14">
       <p:transition p14:dur="0"/>
     </mc:Choice>
-    <mc:Fallback>
+    <mc:Fallback xmlns="">
       <p:transition/>
     </mc:Fallback>
   </mc:AlternateContent>
@@ -8927,18 +8922,7 @@
                 <a:cs typeface="Times New Roman" panose="02020603050405020304" pitchFamily="18" charset="0"/>
                 <a:hlinkClick r:id="rId2"/>
               </a:rPr>
-              <a:t>https</a:t>
-            </a:r>
-            <a:r>
-              <a:rPr lang="en-US" sz="2400" b="1" u="sng">
-                <a:solidFill>
-                  <a:srgbClr val="0070C0"/>
-                </a:solidFill>
-                <a:latin typeface="Times New Roman" panose="02020603050405020304" pitchFamily="18" charset="0"/>
-                <a:cs typeface="Times New Roman" panose="02020603050405020304" pitchFamily="18" charset="0"/>
-                <a:hlinkClick r:id="rId2"/>
-              </a:rPr>
-              <a:t>://</a:t>
+              <a:t>https://</a:t>
             </a:r>
             <a:r>
               <a:rPr lang="en-US" sz="2400" b="1" u="sng" smtClean="0">
@@ -8949,7 +8933,7 @@
                 <a:cs typeface="Times New Roman" panose="02020603050405020304" pitchFamily="18" charset="0"/>
                 <a:hlinkClick r:id="rId2"/>
               </a:rPr>
-              <a:t>gitlab.com/ngocdon0127/ContactsIT3660</a:t>
+              <a:t>github.com/ngocdon0127/ContactsIT3660</a:t>
             </a:r>
             <a:endParaRPr lang="en-US" sz="2400" b="1" u="sng" smtClean="0">
               <a:solidFill>
@@ -8980,13 +8964,13 @@
   <p:clrMapOvr>
     <a:masterClrMapping/>
   </p:clrMapOvr>
-  <mc:AlternateContent xmlns:mc="http://schemas.openxmlformats.org/markup-compatibility/2006">
-    <mc:Choice xmlns:p15="http://schemas.microsoft.com/office/powerpoint/2012/main" Requires="p15">
+  <mc:AlternateContent xmlns:mc="http://schemas.openxmlformats.org/markup-compatibility/2006" xmlns:p15="http://schemas.microsoft.com/office/powerpoint/2012/main">
+    <mc:Choice Requires="p15">
       <p:transition xmlns:p14="http://schemas.microsoft.com/office/powerpoint/2010/main" spd="slow" p14:dur="2000">
         <p15:prstTrans prst="prestige"/>
       </p:transition>
     </mc:Choice>
-    <mc:Fallback>
+    <mc:Fallback xmlns="">
       <p:transition spd="slow">
         <p:fade/>
       </p:transition>
@@ -9313,15 +9297,7 @@
                 <a:cs typeface="Times New Roman" panose="02020603050405020304" pitchFamily="18" charset="0"/>
                 <a:hlinkClick r:id="rId3"/>
               </a:rPr>
-              <a:t>https</a:t>
-            </a:r>
-            <a:r>
-              <a:rPr lang="en-US" sz="2400">
-                <a:latin typeface="Times New Roman" panose="02020603050405020304" pitchFamily="18" charset="0"/>
-                <a:cs typeface="Times New Roman" panose="02020603050405020304" pitchFamily="18" charset="0"/>
-                <a:hlinkClick r:id="rId3"/>
-              </a:rPr>
-              <a:t>://</a:t>
+              <a:t>https://</a:t>
             </a:r>
             <a:r>
               <a:rPr lang="en-US" sz="2400" smtClean="0">
@@ -9366,21 +9342,14 @@
   <p:clrMapOvr>
     <a:masterClrMapping/>
   </p:clrMapOvr>
-  <mc:AlternateContent xmlns:mc="http://schemas.openxmlformats.org/markup-compatibility/2006">
-    <mc:Choice xmlns:p14="http://schemas.microsoft.com/office/powerpoint/2010/main" Requires="p14">
+  <mc:AlternateContent xmlns:mc="http://schemas.openxmlformats.org/markup-compatibility/2006" xmlns:p14="http://schemas.microsoft.com/office/powerpoint/2010/main">
+    <mc:Choice Requires="p14">
       <p:transition p14:dur="0"/>
     </mc:Choice>
-    <mc:Fallback>
+    <mc:Fallback xmlns="">
       <p:transition/>
     </mc:Fallback>
   </mc:AlternateContent>
-  <p:timing>
-    <p:tnLst>
-      <p:par>
-        <p:cTn id="1" dur="indefinite" restart="never" nodeType="tmRoot"/>
-      </p:par>
-    </p:tnLst>
-  </p:timing>
 </p:sld>
 </file>
 
@@ -9448,13 +9417,13 @@
   <p:clrMapOvr>
     <a:masterClrMapping/>
   </p:clrMapOvr>
-  <mc:AlternateContent xmlns:mc="http://schemas.openxmlformats.org/markup-compatibility/2006">
-    <mc:Choice xmlns:p15="http://schemas.microsoft.com/office/powerpoint/2012/main" Requires="p15">
+  <mc:AlternateContent xmlns:mc="http://schemas.openxmlformats.org/markup-compatibility/2006" xmlns:p15="http://schemas.microsoft.com/office/powerpoint/2012/main">
+    <mc:Choice Requires="p15">
       <p:transition xmlns:p14="http://schemas.microsoft.com/office/powerpoint/2010/main" spd="slow" p14:dur="2000">
         <p15:prstTrans prst="prestige"/>
       </p:transition>
     </mc:Choice>
-    <mc:Fallback>
+    <mc:Fallback xmlns="">
       <p:transition spd="slow">
         <p:fade/>
       </p:transition>
@@ -9817,13 +9786,13 @@
   <p:clrMapOvr>
     <a:masterClrMapping/>
   </p:clrMapOvr>
-  <mc:AlternateContent xmlns:mc="http://schemas.openxmlformats.org/markup-compatibility/2006">
-    <mc:Choice xmlns:p15="http://schemas.microsoft.com/office/powerpoint/2012/main" Requires="p15">
+  <mc:AlternateContent xmlns:mc="http://schemas.openxmlformats.org/markup-compatibility/2006" xmlns:p15="http://schemas.microsoft.com/office/powerpoint/2012/main">
+    <mc:Choice Requires="p15">
       <p:transition xmlns:p14="http://schemas.microsoft.com/office/powerpoint/2010/main" spd="slow" p14:dur="2000">
         <p15:prstTrans prst="prestige"/>
       </p:transition>
     </mc:Choice>
-    <mc:Fallback>
+    <mc:Fallback xmlns="">
       <p:transition spd="slow">
         <p:fade/>
       </p:transition>
@@ -10676,13 +10645,13 @@
   <p:clrMapOvr>
     <a:masterClrMapping/>
   </p:clrMapOvr>
-  <mc:AlternateContent xmlns:mc="http://schemas.openxmlformats.org/markup-compatibility/2006">
-    <mc:Choice xmlns:p15="http://schemas.microsoft.com/office/powerpoint/2012/main" Requires="p15">
+  <mc:AlternateContent xmlns:mc="http://schemas.openxmlformats.org/markup-compatibility/2006" xmlns:p15="http://schemas.microsoft.com/office/powerpoint/2012/main">
+    <mc:Choice Requires="p15">
       <p:transition xmlns:p14="http://schemas.microsoft.com/office/powerpoint/2010/main" spd="slow" p14:dur="2000">
         <p15:prstTrans prst="prestige"/>
       </p:transition>
     </mc:Choice>
-    <mc:Fallback>
+    <mc:Fallback xmlns="">
       <p:transition spd="slow">
         <p:fade/>
       </p:transition>
@@ -11127,11 +11096,11 @@
   <p:clrMapOvr>
     <a:masterClrMapping/>
   </p:clrMapOvr>
-  <mc:AlternateContent xmlns:mc="http://schemas.openxmlformats.org/markup-compatibility/2006">
-    <mc:Choice xmlns:p14="http://schemas.microsoft.com/office/powerpoint/2010/main" Requires="p14">
+  <mc:AlternateContent xmlns:mc="http://schemas.openxmlformats.org/markup-compatibility/2006" xmlns:p14="http://schemas.microsoft.com/office/powerpoint/2010/main">
+    <mc:Choice Requires="p14">
       <p:transition p14:dur="10"/>
     </mc:Choice>
-    <mc:Fallback>
+    <mc:Fallback xmlns="">
       <p:transition/>
     </mc:Fallback>
   </mc:AlternateContent>
@@ -11530,11 +11499,11 @@
   <p:clrMapOvr>
     <a:masterClrMapping/>
   </p:clrMapOvr>
-  <mc:AlternateContent xmlns:mc="http://schemas.openxmlformats.org/markup-compatibility/2006">
-    <mc:Choice xmlns:p14="http://schemas.microsoft.com/office/powerpoint/2010/main" Requires="p14">
+  <mc:AlternateContent xmlns:mc="http://schemas.openxmlformats.org/markup-compatibility/2006" xmlns:p14="http://schemas.microsoft.com/office/powerpoint/2010/main">
+    <mc:Choice Requires="p14">
       <p:transition p14:dur="0"/>
     </mc:Choice>
-    <mc:Fallback>
+    <mc:Fallback xmlns="">
       <p:transition/>
     </mc:Fallback>
   </mc:AlternateContent>
@@ -12196,13 +12165,13 @@
   <p:clrMapOvr>
     <a:masterClrMapping/>
   </p:clrMapOvr>
-  <mc:AlternateContent xmlns:mc="http://schemas.openxmlformats.org/markup-compatibility/2006">
-    <mc:Choice xmlns:p15="http://schemas.microsoft.com/office/powerpoint/2012/main" Requires="p15">
+  <mc:AlternateContent xmlns:mc="http://schemas.openxmlformats.org/markup-compatibility/2006" xmlns:p15="http://schemas.microsoft.com/office/powerpoint/2012/main">
+    <mc:Choice Requires="p15">
       <p:transition xmlns:p14="http://schemas.microsoft.com/office/powerpoint/2010/main" spd="slow" p14:dur="2000">
         <p15:prstTrans prst="prestige"/>
       </p:transition>
     </mc:Choice>
-    <mc:Fallback>
+    <mc:Fallback xmlns="">
       <p:transition spd="slow">
         <p:fade/>
       </p:transition>
@@ -12507,13 +12476,13 @@
   <p:clrMapOvr>
     <a:masterClrMapping/>
   </p:clrMapOvr>
-  <mc:AlternateContent xmlns:mc="http://schemas.openxmlformats.org/markup-compatibility/2006">
-    <mc:Choice xmlns:p15="http://schemas.microsoft.com/office/powerpoint/2012/main" Requires="p15">
+  <mc:AlternateContent xmlns:mc="http://schemas.openxmlformats.org/markup-compatibility/2006" xmlns:p15="http://schemas.microsoft.com/office/powerpoint/2012/main">
+    <mc:Choice Requires="p15">
       <p:transition xmlns:p14="http://schemas.microsoft.com/office/powerpoint/2010/main" spd="slow" p14:dur="2000">
         <p15:prstTrans prst="prestige"/>
       </p:transition>
     </mc:Choice>
-    <mc:Fallback>
+    <mc:Fallback xmlns="">
       <p:transition spd="slow">
         <p:fade/>
       </p:transition>
@@ -12951,11 +12920,11 @@
   <p:clrMapOvr>
     <a:masterClrMapping/>
   </p:clrMapOvr>
-  <mc:AlternateContent xmlns:mc="http://schemas.openxmlformats.org/markup-compatibility/2006">
-    <mc:Choice xmlns:p14="http://schemas.microsoft.com/office/powerpoint/2010/main" Requires="p14">
+  <mc:AlternateContent xmlns:mc="http://schemas.openxmlformats.org/markup-compatibility/2006" xmlns:p14="http://schemas.microsoft.com/office/powerpoint/2010/main">
+    <mc:Choice Requires="p14">
       <p:transition p14:dur="0"/>
     </mc:Choice>
-    <mc:Fallback>
+    <mc:Fallback xmlns="">
       <p:transition/>
     </mc:Fallback>
   </mc:AlternateContent>
@@ -13315,13 +13284,13 @@
   <p:clrMapOvr>
     <a:masterClrMapping/>
   </p:clrMapOvr>
-  <mc:AlternateContent xmlns:mc="http://schemas.openxmlformats.org/markup-compatibility/2006">
-    <mc:Choice xmlns:p15="http://schemas.microsoft.com/office/powerpoint/2012/main" Requires="p15">
+  <mc:AlternateContent xmlns:mc="http://schemas.openxmlformats.org/markup-compatibility/2006" xmlns:p15="http://schemas.microsoft.com/office/powerpoint/2012/main">
+    <mc:Choice Requires="p15">
       <p:transition xmlns:p14="http://schemas.microsoft.com/office/powerpoint/2010/main" spd="slow" p14:dur="2000">
         <p15:prstTrans prst="prestige"/>
       </p:transition>
     </mc:Choice>
-    <mc:Fallback>
+    <mc:Fallback xmlns="">
       <p:transition spd="slow">
         <p:fade/>
       </p:transition>
